--- a/WEEK11/Bank Marketing campaign slides.pptx
+++ b/WEEK11/Bank Marketing campaign slides.pptx
@@ -118,6 +118,11 @@
       </a:defRPr>
     </a:lvl9pPr>
   </p:defaultTextStyle>
+  <p:extLst>
+    <p:ext uri="{EFAFB233-063F-42B5-8137-9DF3F51BA10A}">
+      <p15:sldGuideLst xmlns:p15="http://schemas.microsoft.com/office/powerpoint/2012/main"/>
+    </p:ext>
+  </p:extLst>
 </p:presentation>
 </file>
 
@@ -3215,7 +3220,7 @@
           <a:p>
             <a:fld id="{A3A36342-B13F-4A3E-8E7F-4AD20E2D157D}" type="datetimeFigureOut">
               <a:rPr lang="en-US" smtClean="0"/>
-              <a:t>8/9/2021</a:t>
+              <a:t>8/13/2021</a:t>
             </a:fld>
             <a:endParaRPr lang="en-US"/>
           </a:p>
@@ -3633,7 +3638,7 @@
           <a:p>
             <a:fld id="{A91075AA-1E6C-4AD7-9171-826A2F1820F0}" type="datetime1">
               <a:rPr lang="en-US" smtClean="0"/>
-              <a:t>8/9/2021</a:t>
+              <a:t>8/13/2021</a:t>
             </a:fld>
             <a:endParaRPr lang="en-US"/>
           </a:p>
@@ -3831,7 +3836,7 @@
           <a:p>
             <a:fld id="{E945BAAB-B66A-4772-B289-A618227643BB}" type="datetime1">
               <a:rPr lang="en-US" smtClean="0"/>
-              <a:t>8/9/2021</a:t>
+              <a:t>8/13/2021</a:t>
             </a:fld>
             <a:endParaRPr lang="en-US"/>
           </a:p>
@@ -5368,7 +5373,7 @@
           <a:p>
             <a:fld id="{7CF3DA83-27D1-4752-89E7-FF9ACCB0564E}" type="datetime1">
               <a:rPr lang="en-US" smtClean="0"/>
-              <a:t>8/9/2021</a:t>
+              <a:t>8/13/2021</a:t>
             </a:fld>
             <a:endParaRPr lang="en-US"/>
           </a:p>
@@ -5568,7 +5573,7 @@
           <a:p>
             <a:fld id="{2016DA76-C7D4-480D-ADAB-813BA2096B78}" type="datetime1">
               <a:rPr lang="en-US" smtClean="0"/>
-              <a:t>8/9/2021</a:t>
+              <a:t>8/13/2021</a:t>
             </a:fld>
             <a:endParaRPr lang="en-US"/>
           </a:p>
@@ -5846,7 +5851,7 @@
           <a:p>
             <a:fld id="{119D7741-276A-4AA5-8749-D80F4EAA8652}" type="datetime1">
               <a:rPr lang="en-US" smtClean="0"/>
-              <a:t>8/9/2021</a:t>
+              <a:t>8/13/2021</a:t>
             </a:fld>
             <a:endParaRPr lang="en-US"/>
           </a:p>
@@ -6824,7 +6829,7 @@
           <a:p>
             <a:fld id="{D71FB033-5588-42DA-A5A4-FF2CA69BB553}" type="datetime1">
               <a:rPr lang="en-US" smtClean="0"/>
-              <a:t>8/9/2021</a:t>
+              <a:t>8/13/2021</a:t>
             </a:fld>
             <a:endParaRPr lang="en-US"/>
           </a:p>
@@ -7944,7 +7949,7 @@
           <a:p>
             <a:fld id="{B280148B-4202-4EAE-A118-7BE823B985CB}" type="datetime1">
               <a:rPr lang="en-US" smtClean="0"/>
-              <a:t>8/9/2021</a:t>
+              <a:t>8/13/2021</a:t>
             </a:fld>
             <a:endParaRPr lang="en-US"/>
           </a:p>
@@ -8091,7 +8096,7 @@
           <a:p>
             <a:fld id="{8EC4F381-9696-499D-8119-90C896B89E85}" type="datetime1">
               <a:rPr lang="en-US" smtClean="0"/>
-              <a:t>8/9/2021</a:t>
+              <a:t>8/13/2021</a:t>
             </a:fld>
             <a:endParaRPr lang="en-US"/>
           </a:p>
@@ -8204,7 +8209,7 @@
           <a:p>
             <a:fld id="{08AE2C35-B2A2-44F1-B2E5-AFC616A20B0E}" type="datetime1">
               <a:rPr lang="en-US" smtClean="0"/>
-              <a:t>8/9/2021</a:t>
+              <a:t>8/13/2021</a:t>
             </a:fld>
             <a:endParaRPr lang="en-US"/>
           </a:p>
@@ -9850,7 +9855,7 @@
           <a:p>
             <a:fld id="{C6032CEF-ECB7-48C5-BFBF-417FCC18ADCD}" type="datetime1">
               <a:rPr lang="en-US" smtClean="0"/>
-              <a:t>8/9/2021</a:t>
+              <a:t>8/13/2021</a:t>
             </a:fld>
             <a:endParaRPr lang="en-US"/>
           </a:p>
@@ -11488,7 +11493,7 @@
           <a:p>
             <a:fld id="{D43F35B2-C411-4080-9DDB-34ADBDDD51CA}" type="datetime1">
               <a:rPr lang="en-US" smtClean="0"/>
-              <a:t>8/9/2021</a:t>
+              <a:t>8/13/2021</a:t>
             </a:fld>
             <a:endParaRPr lang="en-US"/>
           </a:p>
@@ -12410,7 +12415,7 @@
           <a:p>
             <a:fld id="{FE8DBDA1-6FE8-4494-B6A1-027445A76AE6}" type="datetime1">
               <a:rPr lang="en-US" smtClean="0"/>
-              <a:t>8/9/2021</a:t>
+              <a:t>8/13/2021</a:t>
             </a:fld>
             <a:endParaRPr lang="en-US" dirty="0"/>
           </a:p>
@@ -14426,7 +14431,7 @@
         </p:blipFill>
         <p:spPr>
           <a:xfrm>
-            <a:off x="2543144" y="136683"/>
+            <a:off x="1457325" y="117249"/>
             <a:ext cx="7766028" cy="4213068"/>
           </a:xfrm>
           <a:prstGeom prst="rect">
@@ -14498,6 +14503,76 @@
               <a:t>11</a:t>
             </a:fld>
             <a:endParaRPr lang="en-US"/>
+          </a:p>
+        </p:txBody>
+      </p:sp>
+      <p:sp>
+        <p:nvSpPr>
+          <p:cNvPr id="2" name="TextBox 1">
+            <a:extLst>
+              <a:ext uri="{FF2B5EF4-FFF2-40B4-BE49-F238E27FC236}">
+                <a16:creationId xmlns:a16="http://schemas.microsoft.com/office/drawing/2014/main" id="{73BAA10D-9A44-4224-BCF8-D1BFDCDE8F64}"/>
+              </a:ext>
+            </a:extLst>
+          </p:cNvPr>
+          <p:cNvSpPr txBox="1"/>
+          <p:nvPr/>
+        </p:nvSpPr>
+        <p:spPr>
+          <a:xfrm>
+            <a:off x="167240" y="294856"/>
+            <a:ext cx="1366462" cy="923330"/>
+          </a:xfrm>
+          <a:prstGeom prst="rect">
+            <a:avLst/>
+          </a:prstGeom>
+          <a:noFill/>
+        </p:spPr>
+        <p:txBody>
+          <a:bodyPr wrap="square" rtlCol="0">
+            <a:spAutoFit/>
+          </a:bodyPr>
+          <a:lstStyle/>
+          <a:p>
+            <a:r>
+              <a:rPr lang="en-US" dirty="0"/>
+              <a:t>Correlation with target “y”</a:t>
+            </a:r>
+          </a:p>
+        </p:txBody>
+      </p:sp>
+      <p:sp>
+        <p:nvSpPr>
+          <p:cNvPr id="3" name="TextBox 2">
+            <a:extLst>
+              <a:ext uri="{FF2B5EF4-FFF2-40B4-BE49-F238E27FC236}">
+                <a16:creationId xmlns:a16="http://schemas.microsoft.com/office/drawing/2014/main" id="{7B3D2046-8414-44E8-B8B7-8FE9BADD4863}"/>
+              </a:ext>
+            </a:extLst>
+          </p:cNvPr>
+          <p:cNvSpPr txBox="1"/>
+          <p:nvPr/>
+        </p:nvSpPr>
+        <p:spPr>
+          <a:xfrm>
+            <a:off x="205483" y="4895636"/>
+            <a:ext cx="1114050" cy="1200329"/>
+          </a:xfrm>
+          <a:prstGeom prst="rect">
+            <a:avLst/>
+          </a:prstGeom>
+          <a:noFill/>
+        </p:spPr>
+        <p:txBody>
+          <a:bodyPr wrap="square" rtlCol="0">
+            <a:spAutoFit/>
+          </a:bodyPr>
+          <a:lstStyle/>
+          <a:p>
+            <a:r>
+              <a:rPr lang="en-US" dirty="0"/>
+              <a:t>Explained variance ratio by PCA</a:t>
+            </a:r>
           </a:p>
         </p:txBody>
       </p:sp>
